--- a/SEW3/CS142_HerbariumLibrary/HerbariumTemplate.pptx
+++ b/SEW3/CS142_HerbariumLibrary/HerbariumTemplate.pptx
@@ -243,7 +243,7 @@
           <a:p>
             <a:fld id="{8E8F6C6C-1AEF-49D2-B31E-069D8DE7AD03}" type="datetimeFigureOut">
               <a:rPr lang="LID4096" smtClean="0"/>
-              <a:t>09/04/2025</a:t>
+              <a:t>09/19/2025</a:t>
             </a:fld>
             <a:endParaRPr lang="LID4096"/>
           </a:p>
@@ -285,7 +285,7 @@
           <a:p>
             <a:fld id="{4924F8EB-EDF7-486B-B344-DB075AFE3FC3}" type="slidenum">
               <a:rPr lang="LID4096" smtClean="0"/>
-              <a:t>‹Nr.›</a:t>
+              <a:t>‹#›</a:t>
             </a:fld>
             <a:endParaRPr lang="LID4096"/>
           </a:p>
@@ -413,7 +413,7 @@
           <a:p>
             <a:fld id="{8E8F6C6C-1AEF-49D2-B31E-069D8DE7AD03}" type="datetimeFigureOut">
               <a:rPr lang="LID4096" smtClean="0"/>
-              <a:t>09/04/2025</a:t>
+              <a:t>09/19/2025</a:t>
             </a:fld>
             <a:endParaRPr lang="LID4096"/>
           </a:p>
@@ -455,7 +455,7 @@
           <a:p>
             <a:fld id="{4924F8EB-EDF7-486B-B344-DB075AFE3FC3}" type="slidenum">
               <a:rPr lang="LID4096" smtClean="0"/>
-              <a:t>‹Nr.›</a:t>
+              <a:t>‹#›</a:t>
             </a:fld>
             <a:endParaRPr lang="LID4096"/>
           </a:p>
@@ -593,7 +593,7 @@
           <a:p>
             <a:fld id="{8E8F6C6C-1AEF-49D2-B31E-069D8DE7AD03}" type="datetimeFigureOut">
               <a:rPr lang="LID4096" smtClean="0"/>
-              <a:t>09/04/2025</a:t>
+              <a:t>09/19/2025</a:t>
             </a:fld>
             <a:endParaRPr lang="LID4096"/>
           </a:p>
@@ -635,7 +635,7 @@
           <a:p>
             <a:fld id="{4924F8EB-EDF7-486B-B344-DB075AFE3FC3}" type="slidenum">
               <a:rPr lang="LID4096" smtClean="0"/>
-              <a:t>‹Nr.›</a:t>
+              <a:t>‹#›</a:t>
             </a:fld>
             <a:endParaRPr lang="LID4096"/>
           </a:p>
@@ -694,7 +694,7 @@
           <a:p>
             <a:fld id="{8E8F6C6C-1AEF-49D2-B31E-069D8DE7AD03}" type="datetimeFigureOut">
               <a:rPr lang="LID4096" smtClean="0"/>
-              <a:t>09/04/2025</a:t>
+              <a:t>09/19/2025</a:t>
             </a:fld>
             <a:endParaRPr lang="LID4096"/>
           </a:p>
@@ -748,7 +748,7 @@
           <a:p>
             <a:fld id="{4924F8EB-EDF7-486B-B344-DB075AFE3FC3}" type="slidenum">
               <a:rPr lang="LID4096" smtClean="0"/>
-              <a:t>‹Nr.›</a:t>
+              <a:t>‹#›</a:t>
             </a:fld>
             <a:endParaRPr lang="LID4096"/>
           </a:p>
@@ -1083,7 +1083,7 @@
           <a:p>
             <a:fld id="{8E8F6C6C-1AEF-49D2-B31E-069D8DE7AD03}" type="datetimeFigureOut">
               <a:rPr lang="LID4096" smtClean="0"/>
-              <a:t>09/04/2025</a:t>
+              <a:t>09/19/2025</a:t>
             </a:fld>
             <a:endParaRPr lang="LID4096"/>
           </a:p>
@@ -1137,7 +1137,7 @@
           <a:p>
             <a:fld id="{4924F8EB-EDF7-486B-B344-DB075AFE3FC3}" type="slidenum">
               <a:rPr lang="LID4096" smtClean="0"/>
-              <a:t>‹Nr.›</a:t>
+              <a:t>‹#›</a:t>
             </a:fld>
             <a:endParaRPr lang="LID4096"/>
           </a:p>
@@ -1161,8 +1161,8 @@
         </p:nvSpPr>
         <p:spPr>
           <a:xfrm>
-            <a:off x="397417" y="319243"/>
-            <a:ext cx="3135492" cy="4654695"/>
+            <a:off x="313009" y="429409"/>
+            <a:ext cx="3031583" cy="4241747"/>
           </a:xfrm>
         </p:spPr>
         <p:txBody>
@@ -1437,8 +1437,8 @@
         </p:nvSpPr>
         <p:spPr>
           <a:xfrm>
-            <a:off x="2969167" y="637376"/>
-            <a:ext cx="3748592" cy="4654695"/>
+            <a:off x="3641526" y="941249"/>
+            <a:ext cx="2899521" cy="4241747"/>
           </a:xfrm>
         </p:spPr>
         <p:txBody>
@@ -1510,7 +1510,7 @@
           <a:p>
             <a:fld id="{8E8F6C6C-1AEF-49D2-B31E-069D8DE7AD03}" type="datetimeFigureOut">
               <a:rPr lang="LID4096" smtClean="0"/>
-              <a:t>09/04/2025</a:t>
+              <a:t>09/19/2025</a:t>
             </a:fld>
             <a:endParaRPr lang="LID4096"/>
           </a:p>
@@ -1564,7 +1564,7 @@
           <a:p>
             <a:fld id="{4924F8EB-EDF7-486B-B344-DB075AFE3FC3}" type="slidenum">
               <a:rPr lang="LID4096" smtClean="0"/>
-              <a:t>‹Nr.›</a:t>
+              <a:t>‹#›</a:t>
             </a:fld>
             <a:endParaRPr lang="LID4096"/>
           </a:p>
@@ -1588,8 +1588,8 @@
         </p:nvSpPr>
         <p:spPr>
           <a:xfrm>
-            <a:off x="397417" y="319243"/>
-            <a:ext cx="3135492" cy="3524047"/>
+            <a:off x="59854" y="69421"/>
+            <a:ext cx="2841048" cy="3196273"/>
           </a:xfrm>
         </p:spPr>
         <p:txBody>
@@ -1864,8 +1864,8 @@
         </p:nvSpPr>
         <p:spPr>
           <a:xfrm>
-            <a:off x="2969167" y="637376"/>
-            <a:ext cx="3748592" cy="3675925"/>
+            <a:off x="3246254" y="726014"/>
+            <a:ext cx="3418505" cy="3378570"/>
           </a:xfrm>
         </p:spPr>
         <p:txBody>
@@ -1902,7 +1902,7 @@
         </p:nvSpPr>
         <p:spPr>
           <a:xfrm>
-            <a:off x="193241" y="4274228"/>
+            <a:off x="59854" y="3358733"/>
             <a:ext cx="2841048" cy="2132610"/>
           </a:xfrm>
         </p:spPr>
@@ -2044,7 +2044,7 @@
           <a:p>
             <a:fld id="{8E8F6C6C-1AEF-49D2-B31E-069D8DE7AD03}" type="datetimeFigureOut">
               <a:rPr lang="LID4096" smtClean="0"/>
-              <a:t>09/04/2025</a:t>
+              <a:t>09/19/2025</a:t>
             </a:fld>
             <a:endParaRPr lang="LID4096"/>
           </a:p>
@@ -2086,7 +2086,7 @@
           <a:p>
             <a:fld id="{4924F8EB-EDF7-486B-B344-DB075AFE3FC3}" type="slidenum">
               <a:rPr lang="LID4096" smtClean="0"/>
-              <a:t>‹Nr.›</a:t>
+              <a:t>‹#›</a:t>
             </a:fld>
             <a:endParaRPr lang="LID4096"/>
           </a:p>
@@ -2288,7 +2288,7 @@
           <a:p>
             <a:fld id="{8E8F6C6C-1AEF-49D2-B31E-069D8DE7AD03}" type="datetimeFigureOut">
               <a:rPr lang="LID4096" smtClean="0"/>
-              <a:t>09/04/2025</a:t>
+              <a:t>09/19/2025</a:t>
             </a:fld>
             <a:endParaRPr lang="LID4096"/>
           </a:p>
@@ -2330,7 +2330,7 @@
           <a:p>
             <a:fld id="{4924F8EB-EDF7-486B-B344-DB075AFE3FC3}" type="slidenum">
               <a:rPr lang="LID4096" smtClean="0"/>
-              <a:t>‹Nr.›</a:t>
+              <a:t>‹#›</a:t>
             </a:fld>
             <a:endParaRPr lang="LID4096"/>
           </a:p>
@@ -2520,7 +2520,7 @@
           <a:p>
             <a:fld id="{8E8F6C6C-1AEF-49D2-B31E-069D8DE7AD03}" type="datetimeFigureOut">
               <a:rPr lang="LID4096" smtClean="0"/>
-              <a:t>09/04/2025</a:t>
+              <a:t>09/19/2025</a:t>
             </a:fld>
             <a:endParaRPr lang="LID4096"/>
           </a:p>
@@ -2562,7 +2562,7 @@
           <a:p>
             <a:fld id="{4924F8EB-EDF7-486B-B344-DB075AFE3FC3}" type="slidenum">
               <a:rPr lang="LID4096" smtClean="0"/>
-              <a:t>‹Nr.›</a:t>
+              <a:t>‹#›</a:t>
             </a:fld>
             <a:endParaRPr lang="LID4096"/>
           </a:p>
@@ -2887,7 +2887,7 @@
           <a:p>
             <a:fld id="{8E8F6C6C-1AEF-49D2-B31E-069D8DE7AD03}" type="datetimeFigureOut">
               <a:rPr lang="LID4096" smtClean="0"/>
-              <a:t>09/04/2025</a:t>
+              <a:t>09/19/2025</a:t>
             </a:fld>
             <a:endParaRPr lang="LID4096"/>
           </a:p>
@@ -2929,7 +2929,7 @@
           <a:p>
             <a:fld id="{4924F8EB-EDF7-486B-B344-DB075AFE3FC3}" type="slidenum">
               <a:rPr lang="LID4096" smtClean="0"/>
-              <a:t>‹Nr.›</a:t>
+              <a:t>‹#›</a:t>
             </a:fld>
             <a:endParaRPr lang="LID4096"/>
           </a:p>
@@ -3005,7 +3005,7 @@
           <a:p>
             <a:fld id="{8E8F6C6C-1AEF-49D2-B31E-069D8DE7AD03}" type="datetimeFigureOut">
               <a:rPr lang="LID4096" smtClean="0"/>
-              <a:t>09/04/2025</a:t>
+              <a:t>09/19/2025</a:t>
             </a:fld>
             <a:endParaRPr lang="LID4096"/>
           </a:p>
@@ -3047,7 +3047,7 @@
           <a:p>
             <a:fld id="{4924F8EB-EDF7-486B-B344-DB075AFE3FC3}" type="slidenum">
               <a:rPr lang="LID4096" smtClean="0"/>
-              <a:t>‹Nr.›</a:t>
+              <a:t>‹#›</a:t>
             </a:fld>
             <a:endParaRPr lang="LID4096"/>
           </a:p>
@@ -3100,7 +3100,7 @@
           <a:p>
             <a:fld id="{8E8F6C6C-1AEF-49D2-B31E-069D8DE7AD03}" type="datetimeFigureOut">
               <a:rPr lang="LID4096" smtClean="0"/>
-              <a:t>09/04/2025</a:t>
+              <a:t>09/19/2025</a:t>
             </a:fld>
             <a:endParaRPr lang="LID4096"/>
           </a:p>
@@ -3142,7 +3142,7 @@
           <a:p>
             <a:fld id="{4924F8EB-EDF7-486B-B344-DB075AFE3FC3}" type="slidenum">
               <a:rPr lang="LID4096" smtClean="0"/>
-              <a:t>‹Nr.›</a:t>
+              <a:t>‹#›</a:t>
             </a:fld>
             <a:endParaRPr lang="LID4096"/>
           </a:p>
@@ -3377,7 +3377,7 @@
           <a:p>
             <a:fld id="{8E8F6C6C-1AEF-49D2-B31E-069D8DE7AD03}" type="datetimeFigureOut">
               <a:rPr lang="LID4096" smtClean="0"/>
-              <a:t>09/04/2025</a:t>
+              <a:t>09/19/2025</a:t>
             </a:fld>
             <a:endParaRPr lang="LID4096"/>
           </a:p>
@@ -3419,7 +3419,7 @@
           <a:p>
             <a:fld id="{4924F8EB-EDF7-486B-B344-DB075AFE3FC3}" type="slidenum">
               <a:rPr lang="LID4096" smtClean="0"/>
-              <a:t>‹Nr.›</a:t>
+              <a:t>‹#›</a:t>
             </a:fld>
             <a:endParaRPr lang="LID4096"/>
           </a:p>
@@ -3634,7 +3634,7 @@
           <a:p>
             <a:fld id="{8E8F6C6C-1AEF-49D2-B31E-069D8DE7AD03}" type="datetimeFigureOut">
               <a:rPr lang="LID4096" smtClean="0"/>
-              <a:t>09/04/2025</a:t>
+              <a:t>09/19/2025</a:t>
             </a:fld>
             <a:endParaRPr lang="LID4096"/>
           </a:p>
@@ -3676,7 +3676,7 @@
           <a:p>
             <a:fld id="{4924F8EB-EDF7-486B-B344-DB075AFE3FC3}" type="slidenum">
               <a:rPr lang="LID4096" smtClean="0"/>
-              <a:t>‹Nr.›</a:t>
+              <a:t>‹#›</a:t>
             </a:fld>
             <a:endParaRPr lang="LID4096"/>
           </a:p>
@@ -3847,7 +3847,7 @@
           <a:p>
             <a:fld id="{8E8F6C6C-1AEF-49D2-B31E-069D8DE7AD03}" type="datetimeFigureOut">
               <a:rPr lang="LID4096" smtClean="0"/>
-              <a:t>09/04/2025</a:t>
+              <a:t>09/19/2025</a:t>
             </a:fld>
             <a:endParaRPr lang="LID4096"/>
           </a:p>
@@ -3925,7 +3925,7 @@
           <a:p>
             <a:fld id="{4924F8EB-EDF7-486B-B344-DB075AFE3FC3}" type="slidenum">
               <a:rPr lang="LID4096" smtClean="0"/>
-              <a:t>‹Nr.›</a:t>
+              <a:t>‹#›</a:t>
             </a:fld>
             <a:endParaRPr lang="LID4096"/>
           </a:p>
@@ -4305,6 +4305,10 @@
           <a:bodyPr/>
           <a:lstStyle/>
           <a:p>
+            <a:r>
+              <a:rPr lang="de-DE"/>
+              <a:t>Veigl Andreas</a:t>
+            </a:r>
             <a:endParaRPr lang="LID4096" dirty="0"/>
           </a:p>
         </p:txBody>

--- a/SEW3/CS142_HerbariumLibrary/HerbariumTemplate.pptx
+++ b/SEW3/CS142_HerbariumLibrary/HerbariumTemplate.pptx
@@ -6,6 +6,7 @@
   </p:sldMasterIdLst>
   <p:sldIdLst>
     <p:sldId id="256" r:id="rId2"/>
+    <p:sldId id="257" r:id="rId3"/>
   </p:sldIdLst>
   <p:sldSz cx="6858000" cy="9906000" type="A4"/>
   <p:notesSz cx="6858000" cy="9144000"/>
@@ -243,7 +244,7 @@
           <a:p>
             <a:fld id="{8E8F6C6C-1AEF-49D2-B31E-069D8DE7AD03}" type="datetimeFigureOut">
               <a:rPr lang="LID4096" smtClean="0"/>
-              <a:t>09/19/2025</a:t>
+              <a:t>09/12/2025</a:t>
             </a:fld>
             <a:endParaRPr lang="LID4096"/>
           </a:p>
@@ -413,7 +414,7 @@
           <a:p>
             <a:fld id="{8E8F6C6C-1AEF-49D2-B31E-069D8DE7AD03}" type="datetimeFigureOut">
               <a:rPr lang="LID4096" smtClean="0"/>
-              <a:t>09/19/2025</a:t>
+              <a:t>09/12/2025</a:t>
             </a:fld>
             <a:endParaRPr lang="LID4096"/>
           </a:p>
@@ -593,7 +594,7 @@
           <a:p>
             <a:fld id="{8E8F6C6C-1AEF-49D2-B31E-069D8DE7AD03}" type="datetimeFigureOut">
               <a:rPr lang="LID4096" smtClean="0"/>
-              <a:t>09/19/2025</a:t>
+              <a:t>09/12/2025</a:t>
             </a:fld>
             <a:endParaRPr lang="LID4096"/>
           </a:p>
@@ -694,7 +695,7 @@
           <a:p>
             <a:fld id="{8E8F6C6C-1AEF-49D2-B31E-069D8DE7AD03}" type="datetimeFigureOut">
               <a:rPr lang="LID4096" smtClean="0"/>
-              <a:t>09/19/2025</a:t>
+              <a:t>09/12/2025</a:t>
             </a:fld>
             <a:endParaRPr lang="LID4096"/>
           </a:p>
@@ -1083,7 +1084,7 @@
           <a:p>
             <a:fld id="{8E8F6C6C-1AEF-49D2-B31E-069D8DE7AD03}" type="datetimeFigureOut">
               <a:rPr lang="LID4096" smtClean="0"/>
-              <a:t>09/19/2025</a:t>
+              <a:t>09/12/2025</a:t>
             </a:fld>
             <a:endParaRPr lang="LID4096"/>
           </a:p>
@@ -1161,8 +1162,8 @@
         </p:nvSpPr>
         <p:spPr>
           <a:xfrm>
-            <a:off x="313009" y="429409"/>
-            <a:ext cx="3031583" cy="4241747"/>
+            <a:off x="397417" y="319243"/>
+            <a:ext cx="3135492" cy="4654695"/>
           </a:xfrm>
         </p:spPr>
         <p:txBody>
@@ -1437,8 +1438,8 @@
         </p:nvSpPr>
         <p:spPr>
           <a:xfrm>
-            <a:off x="3641526" y="941249"/>
-            <a:ext cx="2899521" cy="4241747"/>
+            <a:off x="2969167" y="637376"/>
+            <a:ext cx="3748592" cy="4654695"/>
           </a:xfrm>
         </p:spPr>
         <p:txBody>
@@ -1510,7 +1511,7 @@
           <a:p>
             <a:fld id="{8E8F6C6C-1AEF-49D2-B31E-069D8DE7AD03}" type="datetimeFigureOut">
               <a:rPr lang="LID4096" smtClean="0"/>
-              <a:t>09/19/2025</a:t>
+              <a:t>09/12/2025</a:t>
             </a:fld>
             <a:endParaRPr lang="LID4096"/>
           </a:p>
@@ -1588,8 +1589,8 @@
         </p:nvSpPr>
         <p:spPr>
           <a:xfrm>
-            <a:off x="59854" y="69421"/>
-            <a:ext cx="2841048" cy="3196273"/>
+            <a:off x="397417" y="319243"/>
+            <a:ext cx="3135492" cy="3524047"/>
           </a:xfrm>
         </p:spPr>
         <p:txBody>
@@ -1864,8 +1865,8 @@
         </p:nvSpPr>
         <p:spPr>
           <a:xfrm>
-            <a:off x="3246254" y="726014"/>
-            <a:ext cx="3418505" cy="3378570"/>
+            <a:off x="2969167" y="637376"/>
+            <a:ext cx="3748592" cy="3675925"/>
           </a:xfrm>
         </p:spPr>
         <p:txBody>
@@ -1902,7 +1903,7 @@
         </p:nvSpPr>
         <p:spPr>
           <a:xfrm>
-            <a:off x="59854" y="3358733"/>
+            <a:off x="193241" y="4274228"/>
             <a:ext cx="2841048" cy="2132610"/>
           </a:xfrm>
         </p:spPr>
@@ -2044,7 +2045,7 @@
           <a:p>
             <a:fld id="{8E8F6C6C-1AEF-49D2-B31E-069D8DE7AD03}" type="datetimeFigureOut">
               <a:rPr lang="LID4096" smtClean="0"/>
-              <a:t>09/19/2025</a:t>
+              <a:t>09/12/2025</a:t>
             </a:fld>
             <a:endParaRPr lang="LID4096"/>
           </a:p>
@@ -2288,7 +2289,7 @@
           <a:p>
             <a:fld id="{8E8F6C6C-1AEF-49D2-B31E-069D8DE7AD03}" type="datetimeFigureOut">
               <a:rPr lang="LID4096" smtClean="0"/>
-              <a:t>09/19/2025</a:t>
+              <a:t>09/12/2025</a:t>
             </a:fld>
             <a:endParaRPr lang="LID4096"/>
           </a:p>
@@ -2520,7 +2521,7 @@
           <a:p>
             <a:fld id="{8E8F6C6C-1AEF-49D2-B31E-069D8DE7AD03}" type="datetimeFigureOut">
               <a:rPr lang="LID4096" smtClean="0"/>
-              <a:t>09/19/2025</a:t>
+              <a:t>09/12/2025</a:t>
             </a:fld>
             <a:endParaRPr lang="LID4096"/>
           </a:p>
@@ -2887,7 +2888,7 @@
           <a:p>
             <a:fld id="{8E8F6C6C-1AEF-49D2-B31E-069D8DE7AD03}" type="datetimeFigureOut">
               <a:rPr lang="LID4096" smtClean="0"/>
-              <a:t>09/19/2025</a:t>
+              <a:t>09/12/2025</a:t>
             </a:fld>
             <a:endParaRPr lang="LID4096"/>
           </a:p>
@@ -3005,7 +3006,7 @@
           <a:p>
             <a:fld id="{8E8F6C6C-1AEF-49D2-B31E-069D8DE7AD03}" type="datetimeFigureOut">
               <a:rPr lang="LID4096" smtClean="0"/>
-              <a:t>09/19/2025</a:t>
+              <a:t>09/12/2025</a:t>
             </a:fld>
             <a:endParaRPr lang="LID4096"/>
           </a:p>
@@ -3100,7 +3101,7 @@
           <a:p>
             <a:fld id="{8E8F6C6C-1AEF-49D2-B31E-069D8DE7AD03}" type="datetimeFigureOut">
               <a:rPr lang="LID4096" smtClean="0"/>
-              <a:t>09/19/2025</a:t>
+              <a:t>09/12/2025</a:t>
             </a:fld>
             <a:endParaRPr lang="LID4096"/>
           </a:p>
@@ -3377,7 +3378,7 @@
           <a:p>
             <a:fld id="{8E8F6C6C-1AEF-49D2-B31E-069D8DE7AD03}" type="datetimeFigureOut">
               <a:rPr lang="LID4096" smtClean="0"/>
-              <a:t>09/19/2025</a:t>
+              <a:t>09/12/2025</a:t>
             </a:fld>
             <a:endParaRPr lang="LID4096"/>
           </a:p>
@@ -3634,7 +3635,7 @@
           <a:p>
             <a:fld id="{8E8F6C6C-1AEF-49D2-B31E-069D8DE7AD03}" type="datetimeFigureOut">
               <a:rPr lang="LID4096" smtClean="0"/>
-              <a:t>09/19/2025</a:t>
+              <a:t>09/12/2025</a:t>
             </a:fld>
             <a:endParaRPr lang="LID4096"/>
           </a:p>
@@ -3847,7 +3848,7 @@
           <a:p>
             <a:fld id="{8E8F6C6C-1AEF-49D2-B31E-069D8DE7AD03}" type="datetimeFigureOut">
               <a:rPr lang="LID4096" smtClean="0"/>
-              <a:t>09/19/2025</a:t>
+              <a:t>09/12/2025</a:t>
             </a:fld>
             <a:endParaRPr lang="LID4096"/>
           </a:p>
@@ -4305,10 +4306,6 @@
           <a:bodyPr/>
           <a:lstStyle/>
           <a:p>
-            <a:r>
-              <a:rPr lang="de-DE"/>
-              <a:t>Veigl Andreas</a:t>
-            </a:r>
             <a:endParaRPr lang="LID4096" dirty="0"/>
           </a:p>
         </p:txBody>
@@ -4317,6 +4314,204 @@
     <p:extLst>
       <p:ext uri="{BB962C8B-B14F-4D97-AF65-F5344CB8AC3E}">
         <p14:creationId xmlns:p14="http://schemas.microsoft.com/office/powerpoint/2010/main" val="3417008414"/>
+      </p:ext>
+    </p:extLst>
+  </p:cSld>
+  <p:clrMapOvr>
+    <a:masterClrMapping/>
+  </p:clrMapOvr>
+</p:sld>
+</file>
+
+<file path=ppt/slides/slide2.xml><?xml version="1.0" encoding="utf-8"?>
+<p:sld xmlns:a="http://schemas.openxmlformats.org/drawingml/2006/main" xmlns:r="http://schemas.openxmlformats.org/officeDocument/2006/relationships" xmlns:p="http://schemas.openxmlformats.org/presentationml/2006/main">
+  <p:cSld>
+    <p:spTree>
+      <p:nvGrpSpPr>
+        <p:cNvPr id="1" name=""/>
+        <p:cNvGrpSpPr/>
+        <p:nvPr/>
+      </p:nvGrpSpPr>
+      <p:grpSpPr>
+        <a:xfrm>
+          <a:off x="0" y="0"/>
+          <a:ext cx="0" cy="0"/>
+          <a:chOff x="0" y="0"/>
+          <a:chExt cx="0" cy="0"/>
+        </a:xfrm>
+      </p:grpSpPr>
+      <p:sp>
+        <p:nvSpPr>
+          <p:cNvPr id="4" name="Picture Placeholder 3">
+            <a:extLst>
+              <a:ext uri="{FF2B5EF4-FFF2-40B4-BE49-F238E27FC236}">
+                <a16:creationId xmlns:a16="http://schemas.microsoft.com/office/drawing/2014/main" id="{C5944CCE-7FF9-8E02-FF09-540261E06567}"/>
+              </a:ext>
+            </a:extLst>
+          </p:cNvPr>
+          <p:cNvSpPr>
+            <a:spLocks noGrp="1"/>
+          </p:cNvSpPr>
+          <p:nvPr>
+            <p:ph type="pic" sz="quarter" idx="13"/>
+          </p:nvPr>
+        </p:nvSpPr>
+        <p:spPr/>
+      </p:sp>
+      <p:sp>
+        <p:nvSpPr>
+          <p:cNvPr id="5" name="Text Placeholder 4">
+            <a:extLst>
+              <a:ext uri="{FF2B5EF4-FFF2-40B4-BE49-F238E27FC236}">
+                <a16:creationId xmlns:a16="http://schemas.microsoft.com/office/drawing/2014/main" id="{7789E30B-15D3-C41F-B03C-F5DB5BE7AD58}"/>
+              </a:ext>
+            </a:extLst>
+          </p:cNvPr>
+          <p:cNvSpPr>
+            <a:spLocks noGrp="1"/>
+          </p:cNvSpPr>
+          <p:nvPr>
+            <p:ph type="body" sz="quarter" idx="14"/>
+          </p:nvPr>
+        </p:nvSpPr>
+        <p:spPr/>
+        <p:txBody>
+          <a:bodyPr/>
+          <a:lstStyle/>
+          <a:p>
+            <a:endParaRPr lang="en-AT"/>
+          </a:p>
+        </p:txBody>
+      </p:sp>
+      <p:sp>
+        <p:nvSpPr>
+          <p:cNvPr id="6" name="Text Placeholder 5">
+            <a:extLst>
+              <a:ext uri="{FF2B5EF4-FFF2-40B4-BE49-F238E27FC236}">
+                <a16:creationId xmlns:a16="http://schemas.microsoft.com/office/drawing/2014/main" id="{FA5C1117-B766-9658-E58D-F3E54DED6F68}"/>
+              </a:ext>
+            </a:extLst>
+          </p:cNvPr>
+          <p:cNvSpPr>
+            <a:spLocks noGrp="1"/>
+          </p:cNvSpPr>
+          <p:nvPr>
+            <p:ph type="body" sz="quarter" idx="15"/>
+          </p:nvPr>
+        </p:nvSpPr>
+        <p:spPr/>
+        <p:txBody>
+          <a:bodyPr/>
+          <a:lstStyle/>
+          <a:p>
+            <a:endParaRPr lang="en-AT"/>
+          </a:p>
+        </p:txBody>
+      </p:sp>
+      <p:sp>
+        <p:nvSpPr>
+          <p:cNvPr id="7" name="Text Placeholder 6">
+            <a:extLst>
+              <a:ext uri="{FF2B5EF4-FFF2-40B4-BE49-F238E27FC236}">
+                <a16:creationId xmlns:a16="http://schemas.microsoft.com/office/drawing/2014/main" id="{EA3239C3-3B0D-E949-FFE5-671AB7FC696B}"/>
+              </a:ext>
+            </a:extLst>
+          </p:cNvPr>
+          <p:cNvSpPr>
+            <a:spLocks noGrp="1"/>
+          </p:cNvSpPr>
+          <p:nvPr>
+            <p:ph type="body" sz="quarter" idx="16"/>
+          </p:nvPr>
+        </p:nvSpPr>
+        <p:spPr/>
+        <p:txBody>
+          <a:bodyPr/>
+          <a:lstStyle/>
+          <a:p>
+            <a:endParaRPr lang="en-AT"/>
+          </a:p>
+        </p:txBody>
+      </p:sp>
+      <p:sp>
+        <p:nvSpPr>
+          <p:cNvPr id="8" name="Text Placeholder 7">
+            <a:extLst>
+              <a:ext uri="{FF2B5EF4-FFF2-40B4-BE49-F238E27FC236}">
+                <a16:creationId xmlns:a16="http://schemas.microsoft.com/office/drawing/2014/main" id="{4E037AB7-E8B9-C533-5543-DB857F54689F}"/>
+              </a:ext>
+            </a:extLst>
+          </p:cNvPr>
+          <p:cNvSpPr>
+            <a:spLocks noGrp="1"/>
+          </p:cNvSpPr>
+          <p:nvPr>
+            <p:ph type="body" sz="quarter" idx="17"/>
+          </p:nvPr>
+        </p:nvSpPr>
+        <p:spPr/>
+        <p:txBody>
+          <a:bodyPr/>
+          <a:lstStyle/>
+          <a:p>
+            <a:endParaRPr lang="en-AT"/>
+          </a:p>
+        </p:txBody>
+      </p:sp>
+      <p:sp>
+        <p:nvSpPr>
+          <p:cNvPr id="9" name="Text Placeholder 8">
+            <a:extLst>
+              <a:ext uri="{FF2B5EF4-FFF2-40B4-BE49-F238E27FC236}">
+                <a16:creationId xmlns:a16="http://schemas.microsoft.com/office/drawing/2014/main" id="{5922DF8E-A504-EDB4-1FF4-F8D7FEE63C39}"/>
+              </a:ext>
+            </a:extLst>
+          </p:cNvPr>
+          <p:cNvSpPr>
+            <a:spLocks noGrp="1"/>
+          </p:cNvSpPr>
+          <p:nvPr>
+            <p:ph type="body" sz="quarter" idx="18"/>
+          </p:nvPr>
+        </p:nvSpPr>
+        <p:spPr/>
+        <p:txBody>
+          <a:bodyPr/>
+          <a:lstStyle/>
+          <a:p>
+            <a:endParaRPr lang="en-AT"/>
+          </a:p>
+        </p:txBody>
+      </p:sp>
+      <p:sp>
+        <p:nvSpPr>
+          <p:cNvPr id="10" name="Text Placeholder 9">
+            <a:extLst>
+              <a:ext uri="{FF2B5EF4-FFF2-40B4-BE49-F238E27FC236}">
+                <a16:creationId xmlns:a16="http://schemas.microsoft.com/office/drawing/2014/main" id="{E892AA85-C60C-2214-6083-00C6D38D7EB5}"/>
+              </a:ext>
+            </a:extLst>
+          </p:cNvPr>
+          <p:cNvSpPr>
+            <a:spLocks noGrp="1"/>
+          </p:cNvSpPr>
+          <p:nvPr>
+            <p:ph type="body" sz="quarter" idx="19"/>
+          </p:nvPr>
+        </p:nvSpPr>
+        <p:spPr/>
+        <p:txBody>
+          <a:bodyPr/>
+          <a:lstStyle/>
+          <a:p>
+            <a:endParaRPr lang="en-AT"/>
+          </a:p>
+        </p:txBody>
+      </p:sp>
+    </p:spTree>
+    <p:extLst>
+      <p:ext uri="{BB962C8B-B14F-4D97-AF65-F5344CB8AC3E}">
+        <p14:creationId xmlns:p14="http://schemas.microsoft.com/office/powerpoint/2010/main" val="386707413"/>
       </p:ext>
     </p:extLst>
   </p:cSld>
